--- a/Aula 03/Aula 03.pptx
+++ b/Aula 03/Aula 03.pptx
@@ -215,7 +215,7 @@
             <a:fld id="{CDA8A7F6-3914-469C-A6E9-40923DB352E9}" type="datetimeFigureOut">
               <a:rPr lang="pt-BR" smtClean="0"/>
               <a:pPr/>
-              <a:t>22/09/2014</a:t>
+              <a:t>06/10/2014</a:t>
             </a:fld>
             <a:endParaRPr lang="pt-BR"/>
           </a:p>
@@ -1112,7 +1112,7 @@
             <a:fld id="{F3B9BC5B-4239-48BA-91AF-B1A90F2D50F7}" type="datetimeFigureOut">
               <a:rPr lang="pt-BR" smtClean="0"/>
               <a:pPr/>
-              <a:t>22/09/2014</a:t>
+              <a:t>06/10/2014</a:t>
             </a:fld>
             <a:endParaRPr lang="pt-BR"/>
           </a:p>
@@ -1310,7 +1310,7 @@
             <a:fld id="{F3B9BC5B-4239-48BA-91AF-B1A90F2D50F7}" type="datetimeFigureOut">
               <a:rPr lang="pt-BR" smtClean="0"/>
               <a:pPr/>
-              <a:t>22/09/2014</a:t>
+              <a:t>06/10/2014</a:t>
             </a:fld>
             <a:endParaRPr lang="pt-BR"/>
           </a:p>
@@ -1497,7 +1497,7 @@
             <a:fld id="{F3B9BC5B-4239-48BA-91AF-B1A90F2D50F7}" type="datetimeFigureOut">
               <a:rPr lang="pt-BR" smtClean="0"/>
               <a:pPr/>
-              <a:t>22/09/2014</a:t>
+              <a:t>06/10/2014</a:t>
             </a:fld>
             <a:endParaRPr lang="pt-BR"/>
           </a:p>
@@ -1649,7 +1649,7 @@
             <a:fld id="{F3B9BC5B-4239-48BA-91AF-B1A90F2D50F7}" type="datetimeFigureOut">
               <a:rPr lang="pt-BR" smtClean="0"/>
               <a:pPr/>
-              <a:t>22/09/2014</a:t>
+              <a:t>06/10/2014</a:t>
             </a:fld>
             <a:endParaRPr lang="pt-BR"/>
           </a:p>
@@ -1906,7 +1906,7 @@
             <a:fld id="{F3B9BC5B-4239-48BA-91AF-B1A90F2D50F7}" type="datetimeFigureOut">
               <a:rPr lang="pt-BR" smtClean="0"/>
               <a:pPr/>
-              <a:t>22/09/2014</a:t>
+              <a:t>06/10/2014</a:t>
             </a:fld>
             <a:endParaRPr lang="pt-BR"/>
           </a:p>
@@ -2317,7 +2317,7 @@
             <a:fld id="{F3B9BC5B-4239-48BA-91AF-B1A90F2D50F7}" type="datetimeFigureOut">
               <a:rPr lang="pt-BR" smtClean="0"/>
               <a:pPr/>
-              <a:t>22/09/2014</a:t>
+              <a:t>06/10/2014</a:t>
             </a:fld>
             <a:endParaRPr lang="pt-BR"/>
           </a:p>
@@ -2765,7 +2765,7 @@
             <a:fld id="{F3B9BC5B-4239-48BA-91AF-B1A90F2D50F7}" type="datetimeFigureOut">
               <a:rPr lang="pt-BR" smtClean="0"/>
               <a:pPr/>
-              <a:t>22/09/2014</a:t>
+              <a:t>06/10/2014</a:t>
             </a:fld>
             <a:endParaRPr lang="pt-BR"/>
           </a:p>
@@ -2868,7 +2868,7 @@
             <a:fld id="{F3B9BC5B-4239-48BA-91AF-B1A90F2D50F7}" type="datetimeFigureOut">
               <a:rPr lang="pt-BR" smtClean="0"/>
               <a:pPr/>
-              <a:t>22/09/2014</a:t>
+              <a:t>06/10/2014</a:t>
             </a:fld>
             <a:endParaRPr lang="pt-BR"/>
           </a:p>
@@ -2991,7 +2991,7 @@
             <a:fld id="{F3B9BC5B-4239-48BA-91AF-B1A90F2D50F7}" type="datetimeFigureOut">
               <a:rPr lang="pt-BR" smtClean="0"/>
               <a:pPr/>
-              <a:t>22/09/2014</a:t>
+              <a:t>06/10/2014</a:t>
             </a:fld>
             <a:endParaRPr lang="pt-BR"/>
           </a:p>
@@ -3267,7 +3267,7 @@
             <a:fld id="{F3B9BC5B-4239-48BA-91AF-B1A90F2D50F7}" type="datetimeFigureOut">
               <a:rPr lang="pt-BR" smtClean="0"/>
               <a:pPr/>
-              <a:t>22/09/2014</a:t>
+              <a:t>06/10/2014</a:t>
             </a:fld>
             <a:endParaRPr lang="pt-BR"/>
           </a:p>
@@ -3474,7 +3474,7 @@
             <a:fld id="{F3B9BC5B-4239-48BA-91AF-B1A90F2D50F7}" type="datetimeFigureOut">
               <a:rPr lang="pt-BR" smtClean="0"/>
               <a:pPr/>
-              <a:t>22/09/2014</a:t>
+              <a:t>06/10/2014</a:t>
             </a:fld>
             <a:endParaRPr lang="pt-BR"/>
           </a:p>
@@ -4585,7 +4585,7 @@
             <a:fld id="{F3B9BC5B-4239-48BA-91AF-B1A90F2D50F7}" type="datetimeFigureOut">
               <a:rPr lang="pt-BR" smtClean="0"/>
               <a:pPr/>
-              <a:t>22/09/2014</a:t>
+              <a:t>06/10/2014</a:t>
             </a:fld>
             <a:endParaRPr lang="pt-BR"/>
           </a:p>
@@ -5041,15 +5041,7 @@
             <a:pPr algn="ctr"/>
             <a:r>
               <a:rPr lang="pt-BR" dirty="0" smtClean="0"/>
-              <a:t>Aula </a:t>
-            </a:r>
-            <a:r>
-              <a:rPr lang="pt-BR" dirty="0" smtClean="0"/>
-              <a:t>03 </a:t>
-            </a:r>
-            <a:r>
-              <a:rPr lang="pt-BR" dirty="0" smtClean="0"/>
-              <a:t>– Evitando obstáculos</a:t>
+              <a:t>Aula 03 – Evitando obstáculos</a:t>
             </a:r>
           </a:p>
         </p:txBody>
@@ -5063,7 +5055,7 @@
         <p:spPr>
           <a:xfrm>
             <a:off x="0" y="5805264"/>
-            <a:ext cx="9144000" cy="369332"/>
+            <a:ext cx="9144000" cy="646331"/>
           </a:xfrm>
           <a:prstGeom prst="rect">
             <a:avLst/>
@@ -5078,8 +5070,23 @@
           <a:p>
             <a:r>
               <a:rPr lang="pt-BR" dirty="0"/>
-              <a:t>https://github.com/mendelson/edubot</a:t>
-            </a:r>
+              <a:t>- Aulas: https://github.com/mendelson/edubot</a:t>
+            </a:r>
+          </a:p>
+          <a:p>
+            <a:r>
+              <a:rPr lang="pt-BR" dirty="0"/>
+              <a:t>- </a:t>
+            </a:r>
+            <a:r>
+              <a:rPr lang="pt-BR" dirty="0" err="1"/>
+              <a:t>Facebook</a:t>
+            </a:r>
+            <a:r>
+              <a:rPr lang="pt-BR"/>
+              <a:t>: https://www.facebook.com/ieee.ras.unb</a:t>
+            </a:r>
+            <a:endParaRPr lang="pt-BR" dirty="0"/>
           </a:p>
         </p:txBody>
       </p:sp>
@@ -5908,13 +5915,8 @@
           <a:p>
             <a:r>
               <a:rPr lang="pt-BR" dirty="0" smtClean="0"/>
-              <a:t>Solução proposta: </a:t>
-            </a:r>
-            <a:r>
-              <a:rPr lang="pt-BR" dirty="0" smtClean="0"/>
-              <a:t>aula_03_cod_1.ino</a:t>
-            </a:r>
-            <a:endParaRPr lang="pt-BR" dirty="0" smtClean="0"/>
+              <a:t>Solução proposta: aula_03_cod_1.ino</a:t>
+            </a:r>
           </a:p>
         </p:txBody>
       </p:sp>
